--- a/lec/01-cause.pptx
+++ b/lec/01-cause.pptx
@@ -6136,11 +6136,18 @@
           </a:p>
           <a:p>
             <a:r>
+              <a:rPr lang="en-US">
+                <a:latin typeface="Helvetica Neue Light" panose="02000403000000020004" pitchFamily="2" charset="0"/>
+                <a:ea typeface="Helvetica Neue Light" panose="02000403000000020004" pitchFamily="2" charset="0"/>
+              </a:rPr>
+              <a:t>August 29, </a:t>
+            </a:r>
+            <a:r>
               <a:rPr lang="en-US" dirty="0">
                 <a:latin typeface="Helvetica Neue Light" panose="02000403000000020004" pitchFamily="2" charset="0"/>
                 <a:ea typeface="Helvetica Neue Light" panose="02000403000000020004" pitchFamily="2" charset="0"/>
               </a:rPr>
-              <a:t>August 27, 2018</a:t>
+              <a:t>2018</a:t>
             </a:r>
           </a:p>
           <a:p>
